--- a/SQL for dummies.pptx
+++ b/SQL for dummies.pptx
@@ -5,7 +5,7 @@
     <p:sldMasterId id="2147483660" r:id="rId1"/>
   </p:sldMasterIdLst>
   <p:notesMasterIdLst>
-    <p:notesMasterId r:id="rId28"/>
+    <p:notesMasterId r:id="rId31"/>
   </p:notesMasterIdLst>
   <p:sldIdLst>
     <p:sldId id="265" r:id="rId2"/>
@@ -31,9 +31,12 @@
     <p:sldId id="293" r:id="rId22"/>
     <p:sldId id="290" r:id="rId23"/>
     <p:sldId id="308" r:id="rId24"/>
-    <p:sldId id="307" r:id="rId25"/>
-    <p:sldId id="310" r:id="rId26"/>
-    <p:sldId id="312" r:id="rId27"/>
+    <p:sldId id="313" r:id="rId25"/>
+    <p:sldId id="314" r:id="rId26"/>
+    <p:sldId id="315" r:id="rId27"/>
+    <p:sldId id="307" r:id="rId28"/>
+    <p:sldId id="310" r:id="rId29"/>
+    <p:sldId id="312" r:id="rId30"/>
   </p:sldIdLst>
   <p:sldSz cx="12192000" cy="6858000"/>
   <p:notesSz cx="7023100" cy="9309100"/>
@@ -222,7 +225,7 @@
           <a:p>
             <a:fld id="{FA493D45-848B-43B5-9780-9E4394DB6F36}" type="datetimeFigureOut">
               <a:rPr lang="sv-SE" smtClean="0"/>
-              <a:t>2021-11-08</a:t>
+              <a:t>2021-11-10</a:t>
             </a:fld>
             <a:endParaRPr lang="sv-SE"/>
           </a:p>
@@ -2614,7 +2617,7 @@
           <a:p>
             <a:fld id="{7EA2502F-02F5-491B-B15D-16D378FFD8D8}" type="datetimeFigureOut">
               <a:rPr lang="sv-SE" smtClean="0"/>
-              <a:t>2021-11-08</a:t>
+              <a:t>2021-11-10</a:t>
             </a:fld>
             <a:endParaRPr lang="sv-SE"/>
           </a:p>
@@ -2784,7 +2787,7 @@
           <a:p>
             <a:fld id="{7EA2502F-02F5-491B-B15D-16D378FFD8D8}" type="datetimeFigureOut">
               <a:rPr lang="sv-SE" smtClean="0"/>
-              <a:t>2021-11-08</a:t>
+              <a:t>2021-11-10</a:t>
             </a:fld>
             <a:endParaRPr lang="sv-SE"/>
           </a:p>
@@ -2964,7 +2967,7 @@
           <a:p>
             <a:fld id="{7EA2502F-02F5-491B-B15D-16D378FFD8D8}" type="datetimeFigureOut">
               <a:rPr lang="sv-SE" smtClean="0"/>
-              <a:t>2021-11-08</a:t>
+              <a:t>2021-11-10</a:t>
             </a:fld>
             <a:endParaRPr lang="sv-SE"/>
           </a:p>
@@ -3134,7 +3137,7 @@
           <a:p>
             <a:fld id="{7EA2502F-02F5-491B-B15D-16D378FFD8D8}" type="datetimeFigureOut">
               <a:rPr lang="sv-SE" smtClean="0"/>
-              <a:t>2021-11-08</a:t>
+              <a:t>2021-11-10</a:t>
             </a:fld>
             <a:endParaRPr lang="sv-SE"/>
           </a:p>
@@ -3380,7 +3383,7 @@
           <a:p>
             <a:fld id="{7EA2502F-02F5-491B-B15D-16D378FFD8D8}" type="datetimeFigureOut">
               <a:rPr lang="sv-SE" smtClean="0"/>
-              <a:t>2021-11-08</a:t>
+              <a:t>2021-11-10</a:t>
             </a:fld>
             <a:endParaRPr lang="sv-SE"/>
           </a:p>
@@ -3612,7 +3615,7 @@
           <a:p>
             <a:fld id="{7EA2502F-02F5-491B-B15D-16D378FFD8D8}" type="datetimeFigureOut">
               <a:rPr lang="sv-SE" smtClean="0"/>
-              <a:t>2021-11-08</a:t>
+              <a:t>2021-11-10</a:t>
             </a:fld>
             <a:endParaRPr lang="sv-SE"/>
           </a:p>
@@ -3979,7 +3982,7 @@
           <a:p>
             <a:fld id="{7EA2502F-02F5-491B-B15D-16D378FFD8D8}" type="datetimeFigureOut">
               <a:rPr lang="sv-SE" smtClean="0"/>
-              <a:t>2021-11-08</a:t>
+              <a:t>2021-11-10</a:t>
             </a:fld>
             <a:endParaRPr lang="sv-SE"/>
           </a:p>
@@ -4097,7 +4100,7 @@
           <a:p>
             <a:fld id="{7EA2502F-02F5-491B-B15D-16D378FFD8D8}" type="datetimeFigureOut">
               <a:rPr lang="sv-SE" smtClean="0"/>
-              <a:t>2021-11-08</a:t>
+              <a:t>2021-11-10</a:t>
             </a:fld>
             <a:endParaRPr lang="sv-SE"/>
           </a:p>
@@ -4192,7 +4195,7 @@
           <a:p>
             <a:fld id="{7EA2502F-02F5-491B-B15D-16D378FFD8D8}" type="datetimeFigureOut">
               <a:rPr lang="sv-SE" smtClean="0"/>
-              <a:t>2021-11-08</a:t>
+              <a:t>2021-11-10</a:t>
             </a:fld>
             <a:endParaRPr lang="sv-SE"/>
           </a:p>
@@ -4469,7 +4472,7 @@
           <a:p>
             <a:fld id="{7EA2502F-02F5-491B-B15D-16D378FFD8D8}" type="datetimeFigureOut">
               <a:rPr lang="sv-SE" smtClean="0"/>
-              <a:t>2021-11-08</a:t>
+              <a:t>2021-11-10</a:t>
             </a:fld>
             <a:endParaRPr lang="sv-SE"/>
           </a:p>
@@ -4726,7 +4729,7 @@
           <a:p>
             <a:fld id="{7EA2502F-02F5-491B-B15D-16D378FFD8D8}" type="datetimeFigureOut">
               <a:rPr lang="sv-SE" smtClean="0"/>
-              <a:t>2021-11-08</a:t>
+              <a:t>2021-11-10</a:t>
             </a:fld>
             <a:endParaRPr lang="sv-SE"/>
           </a:p>
@@ -4939,7 +4942,7 @@
           <a:p>
             <a:fld id="{7EA2502F-02F5-491B-B15D-16D378FFD8D8}" type="datetimeFigureOut">
               <a:rPr lang="sv-SE" smtClean="0"/>
-              <a:t>2021-11-08</a:t>
+              <a:t>2021-11-10</a:t>
             </a:fld>
             <a:endParaRPr lang="sv-SE"/>
           </a:p>
@@ -8936,6 +8939,791 @@
       </p:grpSpPr>
       <p:sp>
         <p:nvSpPr>
+          <p:cNvPr id="2" name="Title 1">
+            <a:extLst>
+              <a:ext uri="{FF2B5EF4-FFF2-40B4-BE49-F238E27FC236}">
+                <a16:creationId xmlns:a16="http://schemas.microsoft.com/office/drawing/2014/main" id="{F3D971C5-09CE-4C8A-9890-53C4783EE1C7}"/>
+              </a:ext>
+            </a:extLst>
+          </p:cNvPr>
+          <p:cNvSpPr>
+            <a:spLocks noGrp="1"/>
+          </p:cNvSpPr>
+          <p:nvPr>
+            <p:ph type="title"/>
+          </p:nvPr>
+        </p:nvSpPr>
+        <p:spPr/>
+        <p:txBody>
+          <a:bodyPr/>
+          <a:lstStyle/>
+          <a:p>
+            <a:r>
+              <a:rPr lang="sv-SE" dirty="0"/>
+              <a:t>Exempel 1</a:t>
+            </a:r>
+          </a:p>
+        </p:txBody>
+      </p:sp>
+      <p:sp>
+        <p:nvSpPr>
+          <p:cNvPr id="3" name="Content Placeholder 2">
+            <a:extLst>
+              <a:ext uri="{FF2B5EF4-FFF2-40B4-BE49-F238E27FC236}">
+                <a16:creationId xmlns:a16="http://schemas.microsoft.com/office/drawing/2014/main" id="{9334DF18-4B17-430C-BEE9-F91E281402B5}"/>
+              </a:ext>
+            </a:extLst>
+          </p:cNvPr>
+          <p:cNvSpPr>
+            <a:spLocks noGrp="1"/>
+          </p:cNvSpPr>
+          <p:nvPr>
+            <p:ph idx="1"/>
+          </p:nvPr>
+        </p:nvSpPr>
+        <p:spPr/>
+        <p:txBody>
+          <a:bodyPr>
+            <a:normAutofit/>
+          </a:bodyPr>
+          <a:lstStyle/>
+          <a:p>
+            <a:pPr marL="0" indent="0">
+              <a:buNone/>
+            </a:pPr>
+            <a:r>
+              <a:rPr lang="sv-SE" sz="3600" dirty="0"/>
+              <a:t>Ta fram bordsparametrar </a:t>
+            </a:r>
+            <a:r>
+              <a:rPr lang="sv-SE" sz="3600" dirty="0" err="1"/>
+              <a:t>vrt</a:t>
+            </a:r>
+            <a:r>
+              <a:rPr lang="sv-SE" sz="3600" dirty="0"/>
+              <a:t>, lat o long vid behandling för utvalda patienter</a:t>
+            </a:r>
+          </a:p>
+        </p:txBody>
+      </p:sp>
+    </p:spTree>
+    <p:extLst>
+      <p:ext uri="{BB962C8B-B14F-4D97-AF65-F5344CB8AC3E}">
+        <p14:creationId xmlns:p14="http://schemas.microsoft.com/office/powerpoint/2010/main" val="1109650714"/>
+      </p:ext>
+    </p:extLst>
+  </p:cSld>
+  <p:clrMapOvr>
+    <a:masterClrMapping/>
+  </p:clrMapOvr>
+</p:sld>
+</file>
+
+<file path=ppt/slides/slide25.xml><?xml version="1.0" encoding="utf-8"?>
+<p:sld xmlns:a="http://schemas.openxmlformats.org/drawingml/2006/main" xmlns:r="http://schemas.openxmlformats.org/officeDocument/2006/relationships" xmlns:p="http://schemas.openxmlformats.org/presentationml/2006/main">
+  <p:cSld>
+    <p:spTree>
+      <p:nvGrpSpPr>
+        <p:cNvPr id="1" name=""/>
+        <p:cNvGrpSpPr/>
+        <p:nvPr/>
+      </p:nvGrpSpPr>
+      <p:grpSpPr>
+        <a:xfrm>
+          <a:off x="0" y="0"/>
+          <a:ext cx="0" cy="0"/>
+          <a:chOff x="0" y="0"/>
+          <a:chExt cx="0" cy="0"/>
+        </a:xfrm>
+      </p:grpSpPr>
+      <p:sp>
+        <p:nvSpPr>
+          <p:cNvPr id="2" name="Title 1">
+            <a:extLst>
+              <a:ext uri="{FF2B5EF4-FFF2-40B4-BE49-F238E27FC236}">
+                <a16:creationId xmlns:a16="http://schemas.microsoft.com/office/drawing/2014/main" id="{F3D971C5-09CE-4C8A-9890-53C4783EE1C7}"/>
+              </a:ext>
+            </a:extLst>
+          </p:cNvPr>
+          <p:cNvSpPr>
+            <a:spLocks noGrp="1"/>
+          </p:cNvSpPr>
+          <p:nvPr>
+            <p:ph type="title"/>
+          </p:nvPr>
+        </p:nvSpPr>
+        <p:spPr/>
+        <p:txBody>
+          <a:bodyPr/>
+          <a:lstStyle/>
+          <a:p>
+            <a:r>
+              <a:rPr lang="sv-SE" dirty="0"/>
+              <a:t>Exempel 1</a:t>
+            </a:r>
+          </a:p>
+        </p:txBody>
+      </p:sp>
+      <p:sp>
+        <p:nvSpPr>
+          <p:cNvPr id="3" name="Content Placeholder 2">
+            <a:extLst>
+              <a:ext uri="{FF2B5EF4-FFF2-40B4-BE49-F238E27FC236}">
+                <a16:creationId xmlns:a16="http://schemas.microsoft.com/office/drawing/2014/main" id="{9334DF18-4B17-430C-BEE9-F91E281402B5}"/>
+              </a:ext>
+            </a:extLst>
+          </p:cNvPr>
+          <p:cNvSpPr>
+            <a:spLocks noGrp="1"/>
+          </p:cNvSpPr>
+          <p:nvPr>
+            <p:ph idx="1"/>
+          </p:nvPr>
+        </p:nvSpPr>
+        <p:spPr/>
+        <p:txBody>
+          <a:bodyPr>
+            <a:normAutofit/>
+          </a:bodyPr>
+          <a:lstStyle/>
+          <a:p>
+            <a:pPr marL="0" indent="0">
+              <a:buNone/>
+            </a:pPr>
+            <a:r>
+              <a:rPr lang="sv-SE" sz="3600" dirty="0"/>
+              <a:t>Ta fram bordsparametrar </a:t>
+            </a:r>
+            <a:r>
+              <a:rPr lang="sv-SE" sz="3600" dirty="0" err="1"/>
+              <a:t>vrt</a:t>
+            </a:r>
+            <a:r>
+              <a:rPr lang="sv-SE" sz="3600" dirty="0"/>
+              <a:t>, lat o long vid behandling för utvalda patienter</a:t>
+            </a:r>
+          </a:p>
+        </p:txBody>
+      </p:sp>
+      <p:pic>
+        <p:nvPicPr>
+          <p:cNvPr id="5" name="Picture 4">
+            <a:extLst>
+              <a:ext uri="{FF2B5EF4-FFF2-40B4-BE49-F238E27FC236}">
+                <a16:creationId xmlns:a16="http://schemas.microsoft.com/office/drawing/2014/main" id="{D2616C8C-9919-451A-BD36-AF6A2A1EFFA7}"/>
+              </a:ext>
+            </a:extLst>
+          </p:cNvPr>
+          <p:cNvPicPr>
+            <a:picLocks noChangeAspect="1"/>
+          </p:cNvPicPr>
+          <p:nvPr/>
+        </p:nvPicPr>
+        <p:blipFill>
+          <a:blip r:embed="rId2"/>
+          <a:stretch>
+            <a:fillRect/>
+          </a:stretch>
+        </p:blipFill>
+        <p:spPr>
+          <a:xfrm>
+            <a:off x="368386" y="3617955"/>
+            <a:ext cx="4766238" cy="2078510"/>
+          </a:xfrm>
+          <a:prstGeom prst="rect">
+            <a:avLst/>
+          </a:prstGeom>
+        </p:spPr>
+      </p:pic>
+      <p:pic>
+        <p:nvPicPr>
+          <p:cNvPr id="7" name="Picture 6">
+            <a:extLst>
+              <a:ext uri="{FF2B5EF4-FFF2-40B4-BE49-F238E27FC236}">
+                <a16:creationId xmlns:a16="http://schemas.microsoft.com/office/drawing/2014/main" id="{755A056E-FF14-464B-8EF8-F280B09F4A84}"/>
+              </a:ext>
+            </a:extLst>
+          </p:cNvPr>
+          <p:cNvPicPr>
+            <a:picLocks noChangeAspect="1"/>
+          </p:cNvPicPr>
+          <p:nvPr/>
+        </p:nvPicPr>
+        <p:blipFill>
+          <a:blip r:embed="rId3"/>
+          <a:stretch>
+            <a:fillRect/>
+          </a:stretch>
+        </p:blipFill>
+        <p:spPr>
+          <a:xfrm>
+            <a:off x="6752280" y="2638680"/>
+            <a:ext cx="3999773" cy="1315481"/>
+          </a:xfrm>
+          <a:prstGeom prst="rect">
+            <a:avLst/>
+          </a:prstGeom>
+        </p:spPr>
+      </p:pic>
+      <p:pic>
+        <p:nvPicPr>
+          <p:cNvPr id="9" name="Picture 8">
+            <a:extLst>
+              <a:ext uri="{FF2B5EF4-FFF2-40B4-BE49-F238E27FC236}">
+                <a16:creationId xmlns:a16="http://schemas.microsoft.com/office/drawing/2014/main" id="{CE3EF0B0-97FB-4CB8-A14F-D3BA116C9049}"/>
+              </a:ext>
+            </a:extLst>
+          </p:cNvPr>
+          <p:cNvPicPr>
+            <a:picLocks noChangeAspect="1"/>
+          </p:cNvPicPr>
+          <p:nvPr/>
+        </p:nvPicPr>
+        <p:blipFill>
+          <a:blip r:embed="rId4"/>
+          <a:stretch>
+            <a:fillRect/>
+          </a:stretch>
+        </p:blipFill>
+        <p:spPr>
+          <a:xfrm>
+            <a:off x="6752279" y="4146465"/>
+            <a:ext cx="3999774" cy="511091"/>
+          </a:xfrm>
+          <a:prstGeom prst="rect">
+            <a:avLst/>
+          </a:prstGeom>
+        </p:spPr>
+      </p:pic>
+      <p:pic>
+        <p:nvPicPr>
+          <p:cNvPr id="11" name="Picture 10">
+            <a:extLst>
+              <a:ext uri="{FF2B5EF4-FFF2-40B4-BE49-F238E27FC236}">
+                <a16:creationId xmlns:a16="http://schemas.microsoft.com/office/drawing/2014/main" id="{7FC46576-AA82-4A8F-BA9E-332895AFF635}"/>
+              </a:ext>
+            </a:extLst>
+          </p:cNvPr>
+          <p:cNvPicPr>
+            <a:picLocks noChangeAspect="1"/>
+          </p:cNvPicPr>
+          <p:nvPr/>
+        </p:nvPicPr>
+        <p:blipFill>
+          <a:blip r:embed="rId5"/>
+          <a:stretch>
+            <a:fillRect/>
+          </a:stretch>
+        </p:blipFill>
+        <p:spPr>
+          <a:xfrm>
+            <a:off x="6752279" y="4849860"/>
+            <a:ext cx="3999773" cy="511091"/>
+          </a:xfrm>
+          <a:prstGeom prst="rect">
+            <a:avLst/>
+          </a:prstGeom>
+        </p:spPr>
+      </p:pic>
+      <p:pic>
+        <p:nvPicPr>
+          <p:cNvPr id="13" name="Picture 12">
+            <a:extLst>
+              <a:ext uri="{FF2B5EF4-FFF2-40B4-BE49-F238E27FC236}">
+                <a16:creationId xmlns:a16="http://schemas.microsoft.com/office/drawing/2014/main" id="{95849468-F79C-408B-B29D-7F7C565C176E}"/>
+              </a:ext>
+            </a:extLst>
+          </p:cNvPr>
+          <p:cNvPicPr>
+            <a:picLocks noChangeAspect="1"/>
+          </p:cNvPicPr>
+          <p:nvPr/>
+        </p:nvPicPr>
+        <p:blipFill>
+          <a:blip r:embed="rId6"/>
+          <a:stretch>
+            <a:fillRect/>
+          </a:stretch>
+        </p:blipFill>
+        <p:spPr>
+          <a:xfrm>
+            <a:off x="6712077" y="5573694"/>
+            <a:ext cx="4039975" cy="603269"/>
+          </a:xfrm>
+          <a:prstGeom prst="rect">
+            <a:avLst/>
+          </a:prstGeom>
+        </p:spPr>
+      </p:pic>
+      <p:cxnSp>
+        <p:nvCxnSpPr>
+          <p:cNvPr id="14" name="Straight Arrow Connector 13">
+            <a:extLst>
+              <a:ext uri="{FF2B5EF4-FFF2-40B4-BE49-F238E27FC236}">
+                <a16:creationId xmlns:a16="http://schemas.microsoft.com/office/drawing/2014/main" id="{DA599C7F-7935-4E38-9CE4-ABD9BDE278CC}"/>
+              </a:ext>
+            </a:extLst>
+          </p:cNvPr>
+          <p:cNvCxnSpPr>
+            <a:cxnSpLocks/>
+          </p:cNvCxnSpPr>
+          <p:nvPr/>
+        </p:nvCxnSpPr>
+        <p:spPr>
+          <a:xfrm flipV="1">
+            <a:off x="5263978" y="3830595"/>
+            <a:ext cx="1260390" cy="826615"/>
+          </a:xfrm>
+          <a:prstGeom prst="straightConnector1">
+            <a:avLst/>
+          </a:prstGeom>
+          <a:ln w="41275">
+            <a:solidFill>
+              <a:srgbClr val="FF0000"/>
+            </a:solidFill>
+            <a:headEnd type="triangle"/>
+            <a:tailEnd type="triangle"/>
+          </a:ln>
+        </p:spPr>
+        <p:style>
+          <a:lnRef idx="1">
+            <a:schemeClr val="accent1"/>
+          </a:lnRef>
+          <a:fillRef idx="0">
+            <a:schemeClr val="accent1"/>
+          </a:fillRef>
+          <a:effectRef idx="0">
+            <a:schemeClr val="accent1"/>
+          </a:effectRef>
+          <a:fontRef idx="minor">
+            <a:schemeClr val="tx1"/>
+          </a:fontRef>
+        </p:style>
+      </p:cxnSp>
+      <p:sp>
+        <p:nvSpPr>
+          <p:cNvPr id="17" name="TextBox 16">
+            <a:extLst>
+              <a:ext uri="{FF2B5EF4-FFF2-40B4-BE49-F238E27FC236}">
+                <a16:creationId xmlns:a16="http://schemas.microsoft.com/office/drawing/2014/main" id="{FAD6AEC3-EE52-4235-B772-A5E29945C00C}"/>
+              </a:ext>
+            </a:extLst>
+          </p:cNvPr>
+          <p:cNvSpPr txBox="1"/>
+          <p:nvPr/>
+        </p:nvSpPr>
+        <p:spPr>
+          <a:xfrm>
+            <a:off x="5604438" y="3830595"/>
+            <a:ext cx="546094" cy="830997"/>
+          </a:xfrm>
+          <a:prstGeom prst="rect">
+            <a:avLst/>
+          </a:prstGeom>
+          <a:solidFill>
+            <a:schemeClr val="bg1"/>
+          </a:solidFill>
+          <a:ln w="50800">
+            <a:solidFill>
+              <a:srgbClr val="FF0000"/>
+            </a:solidFill>
+          </a:ln>
+        </p:spPr>
+        <p:txBody>
+          <a:bodyPr wrap="square" rtlCol="0">
+            <a:spAutoFit/>
+          </a:bodyPr>
+          <a:lstStyle/>
+          <a:p>
+            <a:r>
+              <a:rPr lang="sv-SE" sz="4800" dirty="0"/>
+              <a:t>?</a:t>
+            </a:r>
+          </a:p>
+        </p:txBody>
+      </p:sp>
+    </p:spTree>
+    <p:extLst>
+      <p:ext uri="{BB962C8B-B14F-4D97-AF65-F5344CB8AC3E}">
+        <p14:creationId xmlns:p14="http://schemas.microsoft.com/office/powerpoint/2010/main" val="2863449560"/>
+      </p:ext>
+    </p:extLst>
+  </p:cSld>
+  <p:clrMapOvr>
+    <a:masterClrMapping/>
+  </p:clrMapOvr>
+</p:sld>
+</file>
+
+<file path=ppt/slides/slide26.xml><?xml version="1.0" encoding="utf-8"?>
+<p:sld xmlns:a="http://schemas.openxmlformats.org/drawingml/2006/main" xmlns:r="http://schemas.openxmlformats.org/officeDocument/2006/relationships" xmlns:p="http://schemas.openxmlformats.org/presentationml/2006/main">
+  <p:cSld>
+    <p:spTree>
+      <p:nvGrpSpPr>
+        <p:cNvPr id="1" name=""/>
+        <p:cNvGrpSpPr/>
+        <p:nvPr/>
+      </p:nvGrpSpPr>
+      <p:grpSpPr>
+        <a:xfrm>
+          <a:off x="0" y="0"/>
+          <a:ext cx="0" cy="0"/>
+          <a:chOff x="0" y="0"/>
+          <a:chExt cx="0" cy="0"/>
+        </a:xfrm>
+      </p:grpSpPr>
+      <p:sp>
+        <p:nvSpPr>
+          <p:cNvPr id="2" name="Title 1">
+            <a:extLst>
+              <a:ext uri="{FF2B5EF4-FFF2-40B4-BE49-F238E27FC236}">
+                <a16:creationId xmlns:a16="http://schemas.microsoft.com/office/drawing/2014/main" id="{47275B6C-8C52-4765-AE67-C4C71138884D}"/>
+              </a:ext>
+            </a:extLst>
+          </p:cNvPr>
+          <p:cNvSpPr>
+            <a:spLocks noGrp="1"/>
+          </p:cNvSpPr>
+          <p:nvPr>
+            <p:ph type="title"/>
+          </p:nvPr>
+        </p:nvSpPr>
+        <p:spPr/>
+        <p:txBody>
+          <a:bodyPr/>
+          <a:lstStyle/>
+          <a:p>
+            <a:endParaRPr lang="sv-SE"/>
+          </a:p>
+        </p:txBody>
+      </p:sp>
+      <p:sp>
+        <p:nvSpPr>
+          <p:cNvPr id="3" name="Content Placeholder 2">
+            <a:extLst>
+              <a:ext uri="{FF2B5EF4-FFF2-40B4-BE49-F238E27FC236}">
+                <a16:creationId xmlns:a16="http://schemas.microsoft.com/office/drawing/2014/main" id="{B003B2BA-8EC1-4660-AA8A-B0468F06A0AC}"/>
+              </a:ext>
+            </a:extLst>
+          </p:cNvPr>
+          <p:cNvSpPr>
+            <a:spLocks noGrp="1"/>
+          </p:cNvSpPr>
+          <p:nvPr>
+            <p:ph idx="1"/>
+          </p:nvPr>
+        </p:nvSpPr>
+        <p:spPr/>
+        <p:txBody>
+          <a:bodyPr/>
+          <a:lstStyle/>
+          <a:p>
+            <a:endParaRPr lang="sv-SE" dirty="0"/>
+          </a:p>
+        </p:txBody>
+      </p:sp>
+      <p:pic>
+        <p:nvPicPr>
+          <p:cNvPr id="9" name="Picture 8">
+            <a:extLst>
+              <a:ext uri="{FF2B5EF4-FFF2-40B4-BE49-F238E27FC236}">
+                <a16:creationId xmlns:a16="http://schemas.microsoft.com/office/drawing/2014/main" id="{777EB25B-FFBE-4C3E-8B8E-328B696A6053}"/>
+              </a:ext>
+            </a:extLst>
+          </p:cNvPr>
+          <p:cNvPicPr>
+            <a:picLocks noChangeAspect="1"/>
+          </p:cNvPicPr>
+          <p:nvPr/>
+        </p:nvPicPr>
+        <p:blipFill>
+          <a:blip r:embed="rId2"/>
+          <a:stretch>
+            <a:fillRect/>
+          </a:stretch>
+        </p:blipFill>
+        <p:spPr>
+          <a:xfrm>
+            <a:off x="311567" y="1413544"/>
+            <a:ext cx="3543044" cy="1061093"/>
+          </a:xfrm>
+          <a:prstGeom prst="rect">
+            <a:avLst/>
+          </a:prstGeom>
+        </p:spPr>
+      </p:pic>
+      <p:pic>
+        <p:nvPicPr>
+          <p:cNvPr id="13" name="Picture 12">
+            <a:extLst>
+              <a:ext uri="{FF2B5EF4-FFF2-40B4-BE49-F238E27FC236}">
+                <a16:creationId xmlns:a16="http://schemas.microsoft.com/office/drawing/2014/main" id="{69405CE3-CC03-4DC4-B7FF-EB59BB8F10F9}"/>
+              </a:ext>
+            </a:extLst>
+          </p:cNvPr>
+          <p:cNvPicPr>
+            <a:picLocks noChangeAspect="1"/>
+          </p:cNvPicPr>
+          <p:nvPr/>
+        </p:nvPicPr>
+        <p:blipFill>
+          <a:blip r:embed="rId3"/>
+          <a:stretch>
+            <a:fillRect/>
+          </a:stretch>
+        </p:blipFill>
+        <p:spPr>
+          <a:xfrm>
+            <a:off x="4067174" y="1428602"/>
+            <a:ext cx="3363613" cy="1086546"/>
+          </a:xfrm>
+          <a:prstGeom prst="rect">
+            <a:avLst/>
+          </a:prstGeom>
+        </p:spPr>
+      </p:pic>
+      <p:cxnSp>
+        <p:nvCxnSpPr>
+          <p:cNvPr id="16" name="Straight Arrow Connector 15">
+            <a:extLst>
+              <a:ext uri="{FF2B5EF4-FFF2-40B4-BE49-F238E27FC236}">
+                <a16:creationId xmlns:a16="http://schemas.microsoft.com/office/drawing/2014/main" id="{1D707176-7BFF-46CB-842F-E8BC51F75B7B}"/>
+              </a:ext>
+            </a:extLst>
+          </p:cNvPr>
+          <p:cNvCxnSpPr>
+            <a:cxnSpLocks/>
+          </p:cNvCxnSpPr>
+          <p:nvPr/>
+        </p:nvCxnSpPr>
+        <p:spPr>
+          <a:xfrm>
+            <a:off x="1967762" y="2081322"/>
+            <a:ext cx="2413482" cy="325139"/>
+          </a:xfrm>
+          <a:prstGeom prst="straightConnector1">
+            <a:avLst/>
+          </a:prstGeom>
+          <a:ln w="41275">
+            <a:solidFill>
+              <a:srgbClr val="FF0000"/>
+            </a:solidFill>
+            <a:headEnd type="triangle"/>
+            <a:tailEnd type="triangle"/>
+          </a:ln>
+        </p:spPr>
+        <p:style>
+          <a:lnRef idx="1">
+            <a:schemeClr val="accent1"/>
+          </a:lnRef>
+          <a:fillRef idx="0">
+            <a:schemeClr val="accent1"/>
+          </a:fillRef>
+          <a:effectRef idx="0">
+            <a:schemeClr val="accent1"/>
+          </a:effectRef>
+          <a:fontRef idx="minor">
+            <a:schemeClr val="tx1"/>
+          </a:fontRef>
+        </p:style>
+      </p:cxnSp>
+      <p:pic>
+        <p:nvPicPr>
+          <p:cNvPr id="19" name="Picture 18">
+            <a:extLst>
+              <a:ext uri="{FF2B5EF4-FFF2-40B4-BE49-F238E27FC236}">
+                <a16:creationId xmlns:a16="http://schemas.microsoft.com/office/drawing/2014/main" id="{386B2DC7-BFC4-4400-BB44-6641C1B9ECEC}"/>
+              </a:ext>
+            </a:extLst>
+          </p:cNvPr>
+          <p:cNvPicPr>
+            <a:picLocks noChangeAspect="1"/>
+          </p:cNvPicPr>
+          <p:nvPr/>
+        </p:nvPicPr>
+        <p:blipFill>
+          <a:blip r:embed="rId4"/>
+          <a:stretch>
+            <a:fillRect/>
+          </a:stretch>
+        </p:blipFill>
+        <p:spPr>
+          <a:xfrm>
+            <a:off x="7720141" y="213171"/>
+            <a:ext cx="3633659" cy="2193290"/>
+          </a:xfrm>
+          <a:prstGeom prst="rect">
+            <a:avLst/>
+          </a:prstGeom>
+        </p:spPr>
+      </p:pic>
+      <p:cxnSp>
+        <p:nvCxnSpPr>
+          <p:cNvPr id="20" name="Straight Arrow Connector 19">
+            <a:extLst>
+              <a:ext uri="{FF2B5EF4-FFF2-40B4-BE49-F238E27FC236}">
+                <a16:creationId xmlns:a16="http://schemas.microsoft.com/office/drawing/2014/main" id="{D01B2EB6-01BF-4475-9FCC-30DEFCDF0EC0}"/>
+              </a:ext>
+            </a:extLst>
+          </p:cNvPr>
+          <p:cNvCxnSpPr>
+            <a:cxnSpLocks/>
+          </p:cNvCxnSpPr>
+          <p:nvPr/>
+        </p:nvCxnSpPr>
+        <p:spPr>
+          <a:xfrm flipV="1">
+            <a:off x="5748980" y="1964724"/>
+            <a:ext cx="2146988" cy="116598"/>
+          </a:xfrm>
+          <a:prstGeom prst="straightConnector1">
+            <a:avLst/>
+          </a:prstGeom>
+          <a:ln w="41275">
+            <a:solidFill>
+              <a:srgbClr val="FF0000"/>
+            </a:solidFill>
+            <a:headEnd type="triangle"/>
+            <a:tailEnd type="triangle"/>
+          </a:ln>
+        </p:spPr>
+        <p:style>
+          <a:lnRef idx="1">
+            <a:schemeClr val="accent1"/>
+          </a:lnRef>
+          <a:fillRef idx="0">
+            <a:schemeClr val="accent1"/>
+          </a:fillRef>
+          <a:effectRef idx="0">
+            <a:schemeClr val="accent1"/>
+          </a:effectRef>
+          <a:fontRef idx="minor">
+            <a:schemeClr val="tx1"/>
+          </a:fontRef>
+        </p:style>
+      </p:cxnSp>
+      <p:pic>
+        <p:nvPicPr>
+          <p:cNvPr id="22" name="Picture 21">
+            <a:extLst>
+              <a:ext uri="{FF2B5EF4-FFF2-40B4-BE49-F238E27FC236}">
+                <a16:creationId xmlns:a16="http://schemas.microsoft.com/office/drawing/2014/main" id="{F4408951-5903-46AC-B3A2-57CDA8BF85FE}"/>
+              </a:ext>
+            </a:extLst>
+          </p:cNvPr>
+          <p:cNvPicPr>
+            <a:picLocks noChangeAspect="1"/>
+          </p:cNvPicPr>
+          <p:nvPr/>
+        </p:nvPicPr>
+        <p:blipFill>
+          <a:blip r:embed="rId5"/>
+          <a:stretch>
+            <a:fillRect/>
+          </a:stretch>
+        </p:blipFill>
+        <p:spPr>
+          <a:xfrm>
+            <a:off x="7562335" y="2648155"/>
+            <a:ext cx="3941805" cy="511091"/>
+          </a:xfrm>
+          <a:prstGeom prst="rect">
+            <a:avLst/>
+          </a:prstGeom>
+        </p:spPr>
+      </p:pic>
+      <p:pic>
+        <p:nvPicPr>
+          <p:cNvPr id="23" name="Picture 22">
+            <a:extLst>
+              <a:ext uri="{FF2B5EF4-FFF2-40B4-BE49-F238E27FC236}">
+                <a16:creationId xmlns:a16="http://schemas.microsoft.com/office/drawing/2014/main" id="{B341419D-9E4D-42A1-AE76-F295DC06475B}"/>
+              </a:ext>
+            </a:extLst>
+          </p:cNvPr>
+          <p:cNvPicPr>
+            <a:picLocks noChangeAspect="1"/>
+          </p:cNvPicPr>
+          <p:nvPr/>
+        </p:nvPicPr>
+        <p:blipFill>
+          <a:blip r:embed="rId6"/>
+          <a:stretch>
+            <a:fillRect/>
+          </a:stretch>
+        </p:blipFill>
+        <p:spPr>
+          <a:xfrm>
+            <a:off x="7562336" y="3351550"/>
+            <a:ext cx="3941804" cy="511091"/>
+          </a:xfrm>
+          <a:prstGeom prst="rect">
+            <a:avLst/>
+          </a:prstGeom>
+        </p:spPr>
+      </p:pic>
+      <p:pic>
+        <p:nvPicPr>
+          <p:cNvPr id="24" name="Picture 23">
+            <a:extLst>
+              <a:ext uri="{FF2B5EF4-FFF2-40B4-BE49-F238E27FC236}">
+                <a16:creationId xmlns:a16="http://schemas.microsoft.com/office/drawing/2014/main" id="{454999BC-2828-414A-896C-81DB00EE8F25}"/>
+              </a:ext>
+            </a:extLst>
+          </p:cNvPr>
+          <p:cNvPicPr>
+            <a:picLocks noChangeAspect="1"/>
+          </p:cNvPicPr>
+          <p:nvPr/>
+        </p:nvPicPr>
+        <p:blipFill>
+          <a:blip r:embed="rId7"/>
+          <a:stretch>
+            <a:fillRect/>
+          </a:stretch>
+        </p:blipFill>
+        <p:spPr>
+          <a:xfrm>
+            <a:off x="7521956" y="4075384"/>
+            <a:ext cx="3981423" cy="603269"/>
+          </a:xfrm>
+          <a:prstGeom prst="rect">
+            <a:avLst/>
+          </a:prstGeom>
+        </p:spPr>
+      </p:pic>
+    </p:spTree>
+    <p:extLst>
+      <p:ext uri="{BB962C8B-B14F-4D97-AF65-F5344CB8AC3E}">
+        <p14:creationId xmlns:p14="http://schemas.microsoft.com/office/powerpoint/2010/main" val="727384980"/>
+      </p:ext>
+    </p:extLst>
+  </p:cSld>
+  <p:clrMapOvr>
+    <a:masterClrMapping/>
+  </p:clrMapOvr>
+</p:sld>
+</file>
+
+<file path=ppt/slides/slide27.xml><?xml version="1.0" encoding="utf-8"?>
+<p:sld xmlns:a="http://schemas.openxmlformats.org/drawingml/2006/main" xmlns:r="http://schemas.openxmlformats.org/officeDocument/2006/relationships" xmlns:p="http://schemas.openxmlformats.org/presentationml/2006/main">
+  <p:cSld>
+    <p:spTree>
+      <p:nvGrpSpPr>
+        <p:cNvPr id="1" name=""/>
+        <p:cNvGrpSpPr/>
+        <p:nvPr/>
+      </p:nvGrpSpPr>
+      <p:grpSpPr>
+        <a:xfrm>
+          <a:off x="0" y="0"/>
+          <a:ext cx="0" cy="0"/>
+          <a:chOff x="0" y="0"/>
+          <a:chExt cx="0" cy="0"/>
+        </a:xfrm>
+      </p:grpSpPr>
+      <p:sp>
+        <p:nvSpPr>
           <p:cNvPr id="3" name="Content Placeholder 2">
             <a:extLst>
               <a:ext uri="{FF2B5EF4-FFF2-40B4-BE49-F238E27FC236}">
@@ -8980,6 +9768,45 @@
             <a:r>
               <a:rPr lang="sv-SE" dirty="0"/>
               <a:t>Det handlar i det avancerade fallet om en kombination av diagnoskod, dos, antal fraktioner och teknik (det senare är en fältegenskap). Om du bara vill ge exempel på hur man kan göra, skulle det vara bra att se hur man kan kombinera två parametrar, t ex antal fraktioner i planerna över tid och diagnoskod.</a:t>
+            </a:r>
+          </a:p>
+        </p:txBody>
+      </p:sp>
+      <p:sp>
+        <p:nvSpPr>
+          <p:cNvPr id="2" name="TextBox 1">
+            <a:extLst>
+              <a:ext uri="{FF2B5EF4-FFF2-40B4-BE49-F238E27FC236}">
+                <a16:creationId xmlns:a16="http://schemas.microsoft.com/office/drawing/2014/main" id="{997DB7AB-8996-4981-B3AF-83D61EA2726E}"/>
+              </a:ext>
+            </a:extLst>
+          </p:cNvPr>
+          <p:cNvSpPr txBox="1"/>
+          <p:nvPr/>
+        </p:nvSpPr>
+        <p:spPr>
+          <a:xfrm>
+            <a:off x="838200" y="934278"/>
+            <a:ext cx="2516330" cy="769441"/>
+          </a:xfrm>
+          <a:prstGeom prst="rect">
+            <a:avLst/>
+          </a:prstGeom>
+          <a:noFill/>
+        </p:spPr>
+        <p:txBody>
+          <a:bodyPr wrap="none" rtlCol="0">
+            <a:spAutoFit/>
+          </a:bodyPr>
+          <a:lstStyle/>
+          <a:p>
+            <a:r>
+              <a:rPr lang="sv-SE" sz="4400" dirty="0">
+                <a:latin typeface="+mj-lt"/>
+                <a:ea typeface="+mj-ea"/>
+                <a:cs typeface="+mj-cs"/>
+              </a:rPr>
+              <a:t>Exempel 2</a:t>
             </a:r>
           </a:p>
         </p:txBody>
@@ -8997,7 +9824,7 @@
 </p:sld>
 </file>
 
-<file path=ppt/slides/slide25.xml><?xml version="1.0" encoding="utf-8"?>
+<file path=ppt/slides/slide28.xml><?xml version="1.0" encoding="utf-8"?>
 <p:sld xmlns:a="http://schemas.openxmlformats.org/drawingml/2006/main" xmlns:r="http://schemas.openxmlformats.org/officeDocument/2006/relationships" xmlns:p="http://schemas.openxmlformats.org/presentationml/2006/main">
   <p:cSld>
     <p:spTree>
@@ -9197,7 +10024,7 @@
 </p:sld>
 </file>
 
-<file path=ppt/slides/slide26.xml><?xml version="1.0" encoding="utf-8"?>
+<file path=ppt/slides/slide29.xml><?xml version="1.0" encoding="utf-8"?>
 <p:sld xmlns:a="http://schemas.openxmlformats.org/drawingml/2006/main" xmlns:r="http://schemas.openxmlformats.org/officeDocument/2006/relationships" xmlns:p="http://schemas.openxmlformats.org/presentationml/2006/main">
   <p:cSld>
     <p:spTree>
